--- a/my_quiz.pptx
+++ b/my_quiz.pptx
@@ -12,6 +12,7 @@
     <p:sldId id="260" r:id="rId6"/>
     <p:sldId id="261" r:id="rId7"/>
     <p:sldId id="262" r:id="rId8"/>
+    <p:sldId id="263" r:id="rId9"/>
   </p:sldIdLst>
   <p:sldSz cx="12192000" cy="6858000"/>
   <p:notesSz cx="6858000" cy="9144000"/>
@@ -300,7 +301,7 @@
           <a:p>
             <a:fld id="{D1B159ED-CA4B-4B13-8A71-E97D69FE30B8}" type="datetimeFigureOut">
               <a:rPr kumimoji="1" lang="ja-JP" altLang="en-US" smtClean="0"/>
-              <a:t>2018/7/24</a:t>
+              <a:t>2018/7/28</a:t>
             </a:fld>
             <a:endParaRPr kumimoji="1" lang="ja-JP" altLang="en-US"/>
           </a:p>
@@ -567,7 +568,7 @@
           <a:p>
             <a:fld id="{D1B159ED-CA4B-4B13-8A71-E97D69FE30B8}" type="datetimeFigureOut">
               <a:rPr kumimoji="1" lang="ja-JP" altLang="en-US" smtClean="0"/>
-              <a:t>2018/7/24</a:t>
+              <a:t>2018/7/28</a:t>
             </a:fld>
             <a:endParaRPr kumimoji="1" lang="ja-JP" altLang="en-US"/>
           </a:p>
@@ -798,7 +799,7 @@
           <a:p>
             <a:fld id="{D1B159ED-CA4B-4B13-8A71-E97D69FE30B8}" type="datetimeFigureOut">
               <a:rPr kumimoji="1" lang="ja-JP" altLang="en-US" smtClean="0"/>
-              <a:t>2018/7/24</a:t>
+              <a:t>2018/7/28</a:t>
             </a:fld>
             <a:endParaRPr kumimoji="1" lang="ja-JP" altLang="en-US"/>
           </a:p>
@@ -1108,7 +1109,7 @@
           <a:p>
             <a:fld id="{D1B159ED-CA4B-4B13-8A71-E97D69FE30B8}" type="datetimeFigureOut">
               <a:rPr kumimoji="1" lang="ja-JP" altLang="en-US" smtClean="0"/>
-              <a:t>2018/7/24</a:t>
+              <a:t>2018/7/28</a:t>
             </a:fld>
             <a:endParaRPr kumimoji="1" lang="ja-JP" altLang="en-US"/>
           </a:p>
@@ -1581,7 +1582,7 @@
           <a:p>
             <a:fld id="{D1B159ED-CA4B-4B13-8A71-E97D69FE30B8}" type="datetimeFigureOut">
               <a:rPr kumimoji="1" lang="ja-JP" altLang="en-US" smtClean="0"/>
-              <a:t>2018/7/24</a:t>
+              <a:t>2018/7/28</a:t>
             </a:fld>
             <a:endParaRPr kumimoji="1" lang="ja-JP" altLang="en-US"/>
           </a:p>
@@ -2128,7 +2129,7 @@
           <a:p>
             <a:fld id="{D1B159ED-CA4B-4B13-8A71-E97D69FE30B8}" type="datetimeFigureOut">
               <a:rPr kumimoji="1" lang="ja-JP" altLang="en-US" smtClean="0"/>
-              <a:t>2018/7/24</a:t>
+              <a:t>2018/7/28</a:t>
             </a:fld>
             <a:endParaRPr kumimoji="1" lang="ja-JP" altLang="en-US"/>
           </a:p>
@@ -2902,7 +2903,7 @@
           <a:p>
             <a:fld id="{D1B159ED-CA4B-4B13-8A71-E97D69FE30B8}" type="datetimeFigureOut">
               <a:rPr kumimoji="1" lang="ja-JP" altLang="en-US" smtClean="0"/>
-              <a:t>2018/7/24</a:t>
+              <a:t>2018/7/28</a:t>
             </a:fld>
             <a:endParaRPr kumimoji="1" lang="ja-JP" altLang="en-US"/>
           </a:p>
@@ -3109,7 +3110,7 @@
           <a:p>
             <a:fld id="{D1B159ED-CA4B-4B13-8A71-E97D69FE30B8}" type="datetimeFigureOut">
               <a:rPr kumimoji="1" lang="ja-JP" altLang="en-US" smtClean="0"/>
-              <a:t>2018/7/24</a:t>
+              <a:t>2018/7/28</a:t>
             </a:fld>
             <a:endParaRPr kumimoji="1" lang="ja-JP" altLang="en-US"/>
           </a:p>
@@ -3364,7 +3365,7 @@
           <a:p>
             <a:fld id="{D1B159ED-CA4B-4B13-8A71-E97D69FE30B8}" type="datetimeFigureOut">
               <a:rPr kumimoji="1" lang="ja-JP" altLang="en-US" smtClean="0"/>
-              <a:t>2018/7/24</a:t>
+              <a:t>2018/7/28</a:t>
             </a:fld>
             <a:endParaRPr kumimoji="1" lang="ja-JP" altLang="en-US"/>
           </a:p>
@@ -3576,7 +3577,7 @@
           <a:p>
             <a:fld id="{D1B159ED-CA4B-4B13-8A71-E97D69FE30B8}" type="datetimeFigureOut">
               <a:rPr kumimoji="1" lang="ja-JP" altLang="en-US" smtClean="0"/>
-              <a:t>2018/7/24</a:t>
+              <a:t>2018/7/28</a:t>
             </a:fld>
             <a:endParaRPr kumimoji="1" lang="ja-JP" altLang="en-US"/>
           </a:p>
@@ -3865,7 +3866,7 @@
           <a:p>
             <a:fld id="{D1B159ED-CA4B-4B13-8A71-E97D69FE30B8}" type="datetimeFigureOut">
               <a:rPr kumimoji="1" lang="ja-JP" altLang="en-US" smtClean="0"/>
-              <a:t>2018/7/24</a:t>
+              <a:t>2018/7/28</a:t>
             </a:fld>
             <a:endParaRPr kumimoji="1" lang="ja-JP" altLang="en-US"/>
           </a:p>
@@ -4171,7 +4172,7 @@
           <a:p>
             <a:fld id="{D1B159ED-CA4B-4B13-8A71-E97D69FE30B8}" type="datetimeFigureOut">
               <a:rPr kumimoji="1" lang="ja-JP" altLang="en-US" smtClean="0"/>
-              <a:t>2018/7/24</a:t>
+              <a:t>2018/7/28</a:t>
             </a:fld>
             <a:endParaRPr kumimoji="1" lang="ja-JP" altLang="en-US"/>
           </a:p>
@@ -4614,7 +4615,7 @@
           <a:p>
             <a:fld id="{D1B159ED-CA4B-4B13-8A71-E97D69FE30B8}" type="datetimeFigureOut">
               <a:rPr kumimoji="1" lang="ja-JP" altLang="en-US" smtClean="0"/>
-              <a:t>2018/7/24</a:t>
+              <a:t>2018/7/28</a:t>
             </a:fld>
             <a:endParaRPr kumimoji="1" lang="ja-JP" altLang="en-US"/>
           </a:p>
@@ -4732,7 +4733,7 @@
           <a:p>
             <a:fld id="{D1B159ED-CA4B-4B13-8A71-E97D69FE30B8}" type="datetimeFigureOut">
               <a:rPr kumimoji="1" lang="ja-JP" altLang="en-US" smtClean="0"/>
-              <a:t>2018/7/24</a:t>
+              <a:t>2018/7/28</a:t>
             </a:fld>
             <a:endParaRPr kumimoji="1" lang="ja-JP" altLang="en-US"/>
           </a:p>
@@ -4827,7 +4828,7 @@
           <a:p>
             <a:fld id="{D1B159ED-CA4B-4B13-8A71-E97D69FE30B8}" type="datetimeFigureOut">
               <a:rPr kumimoji="1" lang="ja-JP" altLang="en-US" smtClean="0"/>
-              <a:t>2018/7/24</a:t>
+              <a:t>2018/7/28</a:t>
             </a:fld>
             <a:endParaRPr kumimoji="1" lang="ja-JP" altLang="en-US"/>
           </a:p>
@@ -5108,7 +5109,7 @@
           <a:p>
             <a:fld id="{D1B159ED-CA4B-4B13-8A71-E97D69FE30B8}" type="datetimeFigureOut">
               <a:rPr kumimoji="1" lang="ja-JP" altLang="en-US" smtClean="0"/>
-              <a:t>2018/7/24</a:t>
+              <a:t>2018/7/28</a:t>
             </a:fld>
             <a:endParaRPr kumimoji="1" lang="ja-JP" altLang="en-US"/>
           </a:p>
@@ -5365,7 +5366,7 @@
           <a:p>
             <a:fld id="{D1B159ED-CA4B-4B13-8A71-E97D69FE30B8}" type="datetimeFigureOut">
               <a:rPr kumimoji="1" lang="ja-JP" altLang="en-US" smtClean="0"/>
-              <a:t>2018/7/24</a:t>
+              <a:t>2018/7/28</a:t>
             </a:fld>
             <a:endParaRPr kumimoji="1" lang="ja-JP" altLang="en-US"/>
           </a:p>
@@ -5640,7 +5641,7 @@
           <a:p>
             <a:fld id="{D1B159ED-CA4B-4B13-8A71-E97D69FE30B8}" type="datetimeFigureOut">
               <a:rPr kumimoji="1" lang="ja-JP" altLang="en-US" smtClean="0"/>
-              <a:t>2018/7/24</a:t>
+              <a:t>2018/7/28</a:t>
             </a:fld>
             <a:endParaRPr kumimoji="1" lang="ja-JP" altLang="en-US"/>
           </a:p>
@@ -7105,6 +7106,137 @@
 </p:sld>
 </file>
 
+<file path=ppt/slides/slide8.xml><?xml version="1.0" encoding="utf-8"?>
+<p:sld xmlns:a="http://schemas.openxmlformats.org/drawingml/2006/main" xmlns:r="http://schemas.openxmlformats.org/officeDocument/2006/relationships" xmlns:p="http://schemas.openxmlformats.org/presentationml/2006/main">
+  <p:cSld>
+    <p:spTree>
+      <p:nvGrpSpPr>
+        <p:cNvPr id="1" name=""/>
+        <p:cNvGrpSpPr/>
+        <p:nvPr/>
+      </p:nvGrpSpPr>
+      <p:grpSpPr>
+        <a:xfrm>
+          <a:off x="0" y="0"/>
+          <a:ext cx="0" cy="0"/>
+          <a:chOff x="0" y="0"/>
+          <a:chExt cx="0" cy="0"/>
+        </a:xfrm>
+      </p:grpSpPr>
+      <p:sp>
+        <p:nvSpPr>
+          <p:cNvPr id="2" name="タイトル 1">
+            <a:extLst>
+              <a:ext uri="{FF2B5EF4-FFF2-40B4-BE49-F238E27FC236}">
+                <a16:creationId xmlns:a16="http://schemas.microsoft.com/office/drawing/2014/main" id="{A8890176-A81D-4FE0-ABF3-224399A1B915}"/>
+              </a:ext>
+            </a:extLst>
+          </p:cNvPr>
+          <p:cNvSpPr>
+            <a:spLocks noGrp="1"/>
+          </p:cNvSpPr>
+          <p:nvPr>
+            <p:ph type="title"/>
+          </p:nvPr>
+        </p:nvSpPr>
+        <p:spPr/>
+        <p:txBody>
+          <a:bodyPr/>
+          <a:lstStyle/>
+          <a:p>
+            <a:r>
+              <a:rPr kumimoji="1" lang="ja-JP" altLang="en-US" dirty="0"/>
+              <a:t>追加機能</a:t>
+            </a:r>
+          </a:p>
+        </p:txBody>
+      </p:sp>
+      <p:sp>
+        <p:nvSpPr>
+          <p:cNvPr id="3" name="コンテンツ プレースホルダー 2">
+            <a:extLst>
+              <a:ext uri="{FF2B5EF4-FFF2-40B4-BE49-F238E27FC236}">
+                <a16:creationId xmlns:a16="http://schemas.microsoft.com/office/drawing/2014/main" id="{E3B4985B-6864-411F-8248-EA6CEA6A8F0C}"/>
+              </a:ext>
+            </a:extLst>
+          </p:cNvPr>
+          <p:cNvSpPr>
+            <a:spLocks noGrp="1"/>
+          </p:cNvSpPr>
+          <p:nvPr>
+            <p:ph idx="1"/>
+          </p:nvPr>
+        </p:nvSpPr>
+        <p:spPr/>
+        <p:txBody>
+          <a:bodyPr/>
+          <a:lstStyle/>
+          <a:p>
+            <a:pPr marL="0" indent="0">
+              <a:buNone/>
+            </a:pPr>
+            <a:r>
+              <a:rPr kumimoji="1" lang="ja-JP" altLang="en-US" dirty="0"/>
+              <a:t>本来予定したものが完成し、時間があったので拡張させた。</a:t>
+            </a:r>
+            <a:endParaRPr kumimoji="1" lang="en-US" altLang="ja-JP" dirty="0"/>
+          </a:p>
+          <a:p>
+            <a:r>
+              <a:rPr lang="ja-JP" altLang="en-US" dirty="0"/>
+              <a:t>他のクイズもできる</a:t>
+            </a:r>
+            <a:r>
+              <a:rPr lang="ja-JP" altLang="en-US"/>
+              <a:t>ように拡張</a:t>
+            </a:r>
+            <a:endParaRPr lang="en-US" altLang="ja-JP"/>
+          </a:p>
+          <a:p>
+            <a:r>
+              <a:rPr lang="ja-JP" altLang="en-US" dirty="0"/>
+              <a:t>今回は国旗クイズを</a:t>
+            </a:r>
+            <a:r>
+              <a:rPr lang="en-US" altLang="ja-JP" dirty="0"/>
+              <a:t>flag.html</a:t>
+            </a:r>
+            <a:r>
+              <a:rPr lang="ja-JP" altLang="en-US" dirty="0"/>
+              <a:t>として作成</a:t>
+            </a:r>
+            <a:endParaRPr lang="en-US" altLang="ja-JP" dirty="0"/>
+          </a:p>
+          <a:p>
+            <a:r>
+              <a:rPr lang="ja-JP" altLang="en-US" dirty="0"/>
+              <a:t>クイズ選択が必要になったので</a:t>
+            </a:r>
+            <a:r>
+              <a:rPr lang="en-US" altLang="ja-JP" dirty="0"/>
+              <a:t>main.html</a:t>
+            </a:r>
+            <a:r>
+              <a:rPr lang="ja-JP" altLang="en-US" dirty="0"/>
+              <a:t>を作成</a:t>
+            </a:r>
+            <a:endParaRPr lang="en-US" altLang="ja-JP" dirty="0"/>
+          </a:p>
+        </p:txBody>
+      </p:sp>
+    </p:spTree>
+    <p:extLst>
+      <p:ext uri="{BB962C8B-B14F-4D97-AF65-F5344CB8AC3E}">
+        <p14:creationId xmlns:p14="http://schemas.microsoft.com/office/powerpoint/2010/main" val="1454971060"/>
+      </p:ext>
+    </p:extLst>
+  </p:cSld>
+  <p:clrMapOvr>
+    <a:masterClrMapping/>
+  </p:clrMapOvr>
+</p:sld>
+</file>
+
 <file path=ppt/theme/theme1.xml><?xml version="1.0" encoding="utf-8"?>
 <a:theme xmlns:a="http://schemas.openxmlformats.org/drawingml/2006/main" name="飛行機雲">
   <a:themeElements>
